--- a/lecture/week_15/Lecture 22.pptx
+++ b/lecture/week_15/Lecture 22.pptx
@@ -10802,11 +10802,32 @@
               <a:t> </a:t>
             </a:r>
             <a:r>
+              <a:rPr sz="4200" dirty="0" err="1">
+                <a:latin typeface="Courier New"/>
+                <a:cs typeface="Courier New"/>
+              </a:rPr>
+              <a:t>Integer.parseInt</a:t>
+            </a:r>
+            <a:r>
               <a:rPr sz="4200" dirty="0">
                 <a:latin typeface="Courier New"/>
                 <a:cs typeface="Courier New"/>
               </a:rPr>
-              <a:t>Integer.parseInt(“hello”);</a:t>
+              <a:t>(“</a:t>
+            </a:r>
+            <a:r>
+              <a:rPr lang="en-US" sz="4200" dirty="0">
+                <a:latin typeface="Courier New"/>
+                <a:cs typeface="Courier New"/>
+              </a:rPr>
+              <a:t>hello</a:t>
+            </a:r>
+            <a:r>
+              <a:rPr sz="4200" dirty="0">
+                <a:latin typeface="Courier New"/>
+                <a:cs typeface="Courier New"/>
+              </a:rPr>
+              <a:t>”);</a:t>
             </a:r>
           </a:p>
         </p:txBody>
